--- a/Discussions/Flocculation Reflections.pptx
+++ b/Discussions/Flocculation Reflections.pptx
@@ -293,7 +293,7 @@
             <a:fld id="{40487D26-2F69-4E7E-8B30-658E0D4AE69A}" type="datetime1">
               <a:rPr lang="es-HN" smtClean="0"/>
               <a:pPr/>
-              <a:t>14/2/2023</a:t>
+              <a:t>21/2/2023</a:t>
             </a:fld>
             <a:endParaRPr lang="es-HN" dirty="0"/>
           </a:p>
@@ -908,9 +908,20 @@
           <a:lstStyle/>
           <a:p>
             <a:r>
-              <a:rPr lang="en-US" dirty="0"/>
-              <a:t>Remember extremes</a:t>
+              <a:rPr lang="en-US" dirty="0" smtClean="0"/>
+              <a:t>One goal of flocculation is to reduce the concentration of primary particles (the particles that were in the raw water) that haven’t attached to other primary particles.</a:t>
             </a:r>
+          </a:p>
+          <a:p>
+            <a:r>
+              <a:rPr lang="en-US" dirty="0" smtClean="0"/>
+              <a:t>The rate of collisions is super fast initially and then tapers off to a crawl as the particles are</a:t>
+            </a:r>
+            <a:r>
+              <a:rPr lang="en-US" baseline="0" dirty="0" smtClean="0"/>
+              <a:t> lower concentration and further apart. The final concentration is set by the slow process of aggregation when the particle concentration is low, so the initial concentration drops out of the equation as irrelevant. So we get almost the same final concentration independent of the initial concentration!</a:t>
+            </a:r>
+            <a:endParaRPr lang="en-US" dirty="0" smtClean="0"/>
           </a:p>
           <a:p>
             <a:endParaRPr lang="en-US" dirty="0"/>
@@ -3294,8 +3305,20 @@
           <a:p>
             <a:r>
               <a:rPr lang="en-US" dirty="0"/>
-              <a:t>Thought experiment time!</a:t>
+              <a:t>Thought experiment time</a:t>
             </a:r>
+            <a:r>
+              <a:rPr lang="en-US" dirty="0" smtClean="0"/>
+              <a:t>!</a:t>
+            </a:r>
+            <a:br>
+              <a:rPr lang="en-US" dirty="0" smtClean="0"/>
+            </a:br>
+            <a:r>
+              <a:rPr lang="en-US" dirty="0" smtClean="0"/>
+              <a:t>Breakout rooms for 3 minutes, then vote!</a:t>
+            </a:r>
+            <a:endParaRPr lang="en-US" dirty="0"/>
           </a:p>
         </p:txBody>
       </p:sp>
@@ -3321,21 +3344,82 @@
           <a:lstStyle/>
           <a:p>
             <a:r>
-              <a:rPr lang="en-US" dirty="0"/>
-              <a:t>One goal of flocculation is to reduce the concentration of primary particles (the particles that were in the raw water) that haven’t attached to other primary particles.</a:t>
+              <a:rPr lang="en-US" sz="2800" dirty="0" smtClean="0"/>
+              <a:t>We </a:t>
+            </a:r>
+            <a:r>
+              <a:rPr lang="en-US" sz="2800" dirty="0"/>
+              <a:t>start with two </a:t>
+            </a:r>
+            <a:r>
+              <a:rPr lang="en-US" sz="2800" dirty="0" smtClean="0"/>
+              <a:t>surface </a:t>
+            </a:r>
+            <a:r>
+              <a:rPr lang="en-US" sz="2800" dirty="0"/>
+              <a:t>water suspensions, one that looks clean enough to drink (5 </a:t>
+            </a:r>
+            <a:r>
+              <a:rPr lang="en-US" sz="2800" dirty="0" smtClean="0"/>
+              <a:t>NTU -  about 5 mg/L) </a:t>
+            </a:r>
+            <a:r>
+              <a:rPr lang="en-US" sz="2800" dirty="0"/>
+              <a:t>and one that looks like chocolate milk (500 </a:t>
+            </a:r>
+            <a:r>
+              <a:rPr lang="en-US" sz="2800" dirty="0" smtClean="0"/>
+              <a:t>NTU – about 500 mg/L). We set the coagulant dose to have similar coverage of the particles in both cases.</a:t>
+            </a:r>
+            <a:r>
+              <a:rPr lang="en-US" sz="2800" dirty="0"/>
+              <a:t> </a:t>
+            </a:r>
+            <a:r>
+              <a:rPr lang="en-US" sz="2800" dirty="0" smtClean="0"/>
+              <a:t>After flocculation the concentration of primary particles that haven’t flocculated is 1 mg/L for the 5 NTU raw water. </a:t>
             </a:r>
           </a:p>
           <a:p>
             <a:r>
-              <a:rPr lang="en-US" dirty="0"/>
-              <a:t>What happens if we start with two very different surface water suspensions, one that looks clean enough to drink (5 NTU) and one that looks like chocolate milk (500 NTU)?</a:t>
+              <a:rPr lang="en-US" sz="2800" dirty="0" smtClean="0"/>
+              <a:t>What do you predict the concentration of primary particles will be for the 500 NTU raw water?</a:t>
             </a:r>
           </a:p>
           <a:p>
+            <a:pPr marL="971550" lvl="1" indent="-514350">
+              <a:buFont typeface="+mj-lt"/>
+              <a:buAutoNum type="arabicPeriod"/>
+            </a:pPr>
             <a:r>
-              <a:rPr lang="en-US" dirty="0"/>
-              <a:t>What would you predict for the final count (number per liter) of the primary particles that haven’t attached to other primary particles after flocculation?</a:t>
+              <a:rPr lang="en-US" sz="2400" dirty="0" smtClean="0"/>
+              <a:t>1 mg/L</a:t>
             </a:r>
+          </a:p>
+          <a:p>
+            <a:pPr marL="971550" lvl="1" indent="-514350">
+              <a:buFont typeface="+mj-lt"/>
+              <a:buAutoNum type="arabicPeriod"/>
+            </a:pPr>
+            <a:r>
+              <a:rPr lang="en-US" sz="2400" dirty="0" smtClean="0"/>
+              <a:t>10 mg/L</a:t>
+            </a:r>
+          </a:p>
+          <a:p>
+            <a:pPr marL="971550" lvl="1" indent="-514350">
+              <a:buFont typeface="+mj-lt"/>
+              <a:buAutoNum type="arabicPeriod"/>
+            </a:pPr>
+            <a:r>
+              <a:rPr lang="en-US" sz="2400" dirty="0" smtClean="0"/>
+              <a:t>100 mg/L</a:t>
+            </a:r>
+            <a:endParaRPr lang="en-US" sz="2400" dirty="0" smtClean="0"/>
+          </a:p>
+          <a:p>
+            <a:pPr lvl="1"/>
+            <a:endParaRPr lang="en-US" sz="2400" dirty="0"/>
           </a:p>
         </p:txBody>
       </p:sp>
@@ -3352,6 +3436,13 @@
   <p:transition>
     <p:fade/>
   </p:transition>
+  <p:timing>
+    <p:tnLst>
+      <p:par>
+        <p:cTn id="1" dur="indefinite" restart="never" nodeType="tmRoot"/>
+      </p:par>
+    </p:tnLst>
+  </p:timing>
 </p:sld>
 </file>
 
@@ -13880,7 +13971,23 @@
             </a:pPr>
             <a:r>
               <a:rPr lang="en-US" dirty="0"/>
-              <a:t>Why does the floc formed from two smaller flocs have a greater mass than the sum of the masses of the two smaller flocs? </a:t>
+              <a:t>Why does the floc formed from two smaller flocs have a greater </a:t>
+            </a:r>
+            <a:r>
+              <a:rPr lang="en-US" dirty="0" smtClean="0"/>
+              <a:t>mass (and volume) </a:t>
+            </a:r>
+            <a:r>
+              <a:rPr lang="en-US" dirty="0"/>
+              <a:t>than the sum of the </a:t>
+            </a:r>
+            <a:r>
+              <a:rPr lang="en-US" dirty="0" smtClean="0"/>
+              <a:t>masses (volumes) </a:t>
+            </a:r>
+            <a:r>
+              <a:rPr lang="en-US" dirty="0"/>
+              <a:t>of the two smaller flocs? </a:t>
             </a:r>
           </a:p>
           <a:p>
@@ -13890,7 +13997,15 @@
             </a:pPr>
             <a:r>
               <a:rPr lang="en-US" dirty="0"/>
-              <a:t>Why don’t any clay particles attach to each other when you add a small amount of coagulant to a raw water that also has dissolved organic matter in it?</a:t>
+              <a:t>Why don’t any clay particles attach to each </a:t>
+            </a:r>
+            <a:r>
+              <a:rPr lang="en-US" dirty="0" smtClean="0"/>
+              <a:t>other (no flocs form!) </a:t>
+            </a:r>
+            <a:r>
+              <a:rPr lang="en-US" dirty="0"/>
+              <a:t>when you add a small amount of coagulant to a raw water that also has dissolved organic matter in it?</a:t>
             </a:r>
           </a:p>
           <a:p>
@@ -13921,6 +14036,13 @@
   <p:transition>
     <p:fade/>
   </p:transition>
+  <p:timing>
+    <p:tnLst>
+      <p:par>
+        <p:cTn id="1" dur="indefinite" restart="never" nodeType="tmRoot"/>
+      </p:par>
+    </p:tnLst>
+  </p:timing>
 </p:sld>
 </file>
 

--- a/Discussions/Flocculation Reflections.pptx
+++ b/Discussions/Flocculation Reflections.pptx
@@ -3393,7 +3393,7 @@
             </a:pPr>
             <a:r>
               <a:rPr lang="en-US" sz="2400" dirty="0" smtClean="0"/>
-              <a:t>1 mg/L</a:t>
+              <a:t>0.1 mg/L – cleaner than 5 NTU suspension</a:t>
             </a:r>
           </a:p>
           <a:p>
@@ -3403,8 +3403,9 @@
             </a:pPr>
             <a:r>
               <a:rPr lang="en-US" sz="2400" dirty="0" smtClean="0"/>
-              <a:t>10 mg/L</a:t>
+              <a:t>1 mg/L – same as 5 NTU suspension</a:t>
             </a:r>
+            <a:endParaRPr lang="en-US" sz="2400" dirty="0" smtClean="0"/>
           </a:p>
           <a:p>
             <a:pPr marL="971550" lvl="1" indent="-514350">
@@ -3413,7 +3414,26 @@
             </a:pPr>
             <a:r>
               <a:rPr lang="en-US" sz="2400" dirty="0" smtClean="0"/>
-              <a:t>100 mg/L</a:t>
+              <a:t>10 </a:t>
+            </a:r>
+            <a:r>
+              <a:rPr lang="en-US" sz="2400" dirty="0" smtClean="0"/>
+              <a:t>mg/L  - somewhere in between</a:t>
+            </a:r>
+            <a:endParaRPr lang="en-US" sz="2400" dirty="0" smtClean="0"/>
+          </a:p>
+          <a:p>
+            <a:pPr marL="971550" lvl="1" indent="-514350">
+              <a:buFont typeface="+mj-lt"/>
+              <a:buAutoNum type="arabicPeriod"/>
+            </a:pPr>
+            <a:r>
+              <a:rPr lang="en-US" sz="2400" dirty="0" smtClean="0"/>
+              <a:t>100 </a:t>
+            </a:r>
+            <a:r>
+              <a:rPr lang="en-US" sz="2400" dirty="0" smtClean="0"/>
+              <a:t>mg/L -  same fraction remaining as 5 NTU suspension</a:t>
             </a:r>
             <a:endParaRPr lang="en-US" sz="2400" dirty="0" smtClean="0"/>
           </a:p>
